--- a/doc/#1_basic/Basic_class_05.pptx
+++ b/doc/#1_basic/Basic_class_05.pptx
@@ -262,7 +262,7 @@
           <a:p>
             <a:fld id="{DBEFAE78-189D-4A7D-9189-B6B2058620B8}" type="datetimeFigureOut">
               <a:rPr lang="ko-KR" altLang="en-US" smtClean="0"/>
-              <a:t>2020-12-25</a:t>
+              <a:t>2021-07-25</a:t>
             </a:fld>
             <a:endParaRPr lang="ko-KR" altLang="en-US"/>
           </a:p>
@@ -755,7 +755,7 @@
           <a:p>
             <a:fld id="{1D8BD707-D9CF-40AE-B4C6-C98DA3205C09}" type="datetimeFigureOut">
               <a:rPr lang="en-US" smtClean="0"/>
-              <a:t>12/25/2020</a:t>
+              <a:t>7/25/2021</a:t>
             </a:fld>
             <a:endParaRPr lang="en-US"/>
           </a:p>
@@ -925,7 +925,7 @@
           <a:p>
             <a:fld id="{1D8BD707-D9CF-40AE-B4C6-C98DA3205C09}" type="datetimeFigureOut">
               <a:rPr lang="en-US" smtClean="0"/>
-              <a:t>12/25/2020</a:t>
+              <a:t>7/25/2021</a:t>
             </a:fld>
             <a:endParaRPr lang="en-US"/>
           </a:p>
@@ -1105,7 +1105,7 @@
           <a:p>
             <a:fld id="{1D8BD707-D9CF-40AE-B4C6-C98DA3205C09}" type="datetimeFigureOut">
               <a:rPr lang="en-US" smtClean="0"/>
-              <a:t>12/25/2020</a:t>
+              <a:t>7/25/2021</a:t>
             </a:fld>
             <a:endParaRPr lang="en-US"/>
           </a:p>
@@ -1275,7 +1275,7 @@
           <a:p>
             <a:fld id="{1D8BD707-D9CF-40AE-B4C6-C98DA3205C09}" type="datetimeFigureOut">
               <a:rPr lang="en-US" smtClean="0"/>
-              <a:t>12/25/2020</a:t>
+              <a:t>7/25/2021</a:t>
             </a:fld>
             <a:endParaRPr lang="en-US"/>
           </a:p>
@@ -1526,7 +1526,7 @@
           <a:p>
             <a:fld id="{1D8BD707-D9CF-40AE-B4C6-C98DA3205C09}" type="datetimeFigureOut">
               <a:rPr lang="en-US" smtClean="0"/>
-              <a:t>12/25/2020</a:t>
+              <a:t>7/25/2021</a:t>
             </a:fld>
             <a:endParaRPr lang="en-US"/>
           </a:p>
@@ -1758,7 +1758,7 @@
           <a:p>
             <a:fld id="{1D8BD707-D9CF-40AE-B4C6-C98DA3205C09}" type="datetimeFigureOut">
               <a:rPr lang="en-US" smtClean="0"/>
-              <a:t>12/25/2020</a:t>
+              <a:t>7/25/2021</a:t>
             </a:fld>
             <a:endParaRPr lang="en-US"/>
           </a:p>
@@ -2105,7 +2105,7 @@
           <a:p>
             <a:fld id="{1D8BD707-D9CF-40AE-B4C6-C98DA3205C09}" type="datetimeFigureOut">
               <a:rPr lang="en-US" smtClean="0"/>
-              <a:t>12/25/2020</a:t>
+              <a:t>7/25/2021</a:t>
             </a:fld>
             <a:endParaRPr lang="en-US"/>
           </a:p>
@@ -2223,7 +2223,7 @@
           <a:p>
             <a:fld id="{1D8BD707-D9CF-40AE-B4C6-C98DA3205C09}" type="datetimeFigureOut">
               <a:rPr lang="en-US" smtClean="0"/>
-              <a:t>12/25/2020</a:t>
+              <a:t>7/25/2021</a:t>
             </a:fld>
             <a:endParaRPr lang="en-US"/>
           </a:p>
@@ -2341,7 +2341,7 @@
           <a:p>
             <a:fld id="{1D8BD707-D9CF-40AE-B4C6-C98DA3205C09}" type="datetimeFigureOut">
               <a:rPr lang="en-US" smtClean="0"/>
-              <a:t>12/25/2020</a:t>
+              <a:t>7/25/2021</a:t>
             </a:fld>
             <a:endParaRPr lang="en-US"/>
           </a:p>
@@ -2625,7 +2625,7 @@
           <a:p>
             <a:fld id="{1D8BD707-D9CF-40AE-B4C6-C98DA3205C09}" type="datetimeFigureOut">
               <a:rPr lang="en-US" smtClean="0"/>
-              <a:t>12/25/2020</a:t>
+              <a:t>7/25/2021</a:t>
             </a:fld>
             <a:endParaRPr lang="en-US"/>
           </a:p>
@@ -2889,7 +2889,7 @@
           <a:p>
             <a:fld id="{1D8BD707-D9CF-40AE-B4C6-C98DA3205C09}" type="datetimeFigureOut">
               <a:rPr lang="en-US" smtClean="0"/>
-              <a:t>12/25/2020</a:t>
+              <a:t>7/25/2021</a:t>
             </a:fld>
             <a:endParaRPr lang="en-US"/>
           </a:p>
@@ -3103,7 +3103,7 @@
           <a:p>
             <a:fld id="{1D8BD707-D9CF-40AE-B4C6-C98DA3205C09}" type="datetimeFigureOut">
               <a:rPr lang="en-US" smtClean="0"/>
-              <a:t>12/25/2020</a:t>
+              <a:t>7/25/2021</a:t>
             </a:fld>
             <a:endParaRPr lang="en-US"/>
           </a:p>
